--- a/Datawarehousing.pptx
+++ b/Datawarehousing.pptx
@@ -5,7 +5,7 @@
     <p:sldMasterId id="2147483648" r:id="rId5"/>
   </p:sldMasterIdLst>
   <p:notesMasterIdLst>
-    <p:notesMasterId r:id="rId25"/>
+    <p:notesMasterId r:id="rId28"/>
   </p:notesMasterIdLst>
   <p:sldIdLst>
     <p:sldId id="256" r:id="rId6"/>
@@ -26,7 +26,10 @@
     <p:sldId id="357" r:id="rId21"/>
     <p:sldId id="358" r:id="rId22"/>
     <p:sldId id="359" r:id="rId23"/>
-    <p:sldId id="343" r:id="rId24"/>
+    <p:sldId id="360" r:id="rId24"/>
+    <p:sldId id="361" r:id="rId25"/>
+    <p:sldId id="362" r:id="rId26"/>
+    <p:sldId id="343" r:id="rId27"/>
   </p:sldIdLst>
   <p:sldSz cx="12192000" cy="6858000"/>
   <p:notesSz cx="6858000" cy="9144000"/>
@@ -953,6 +956,276 @@
     <p:extLst>
       <p:ext uri="{BB962C8B-B14F-4D97-AF65-F5344CB8AC3E}">
         <p14:creationId xmlns:p14="http://schemas.microsoft.com/office/powerpoint/2010/main" val="250374589"/>
+      </p:ext>
+    </p:extLst>
+  </p:cSld>
+  <p:clrMapOvr>
+    <a:masterClrMapping/>
+  </p:clrMapOvr>
+</p:notes>
+</file>
+
+<file path=ppt/notesSlides/notesSlide5.xml><?xml version="1.0" encoding="utf-8"?>
+<p:notes xmlns:a="http://schemas.openxmlformats.org/drawingml/2006/main" xmlns:r="http://schemas.openxmlformats.org/officeDocument/2006/relationships" xmlns:p="http://schemas.openxmlformats.org/presentationml/2006/main">
+  <p:cSld>
+    <p:spTree>
+      <p:nvGrpSpPr>
+        <p:cNvPr id="1" name=""/>
+        <p:cNvGrpSpPr/>
+        <p:nvPr/>
+      </p:nvGrpSpPr>
+      <p:grpSpPr>
+        <a:xfrm>
+          <a:off x="0" y="0"/>
+          <a:ext cx="0" cy="0"/>
+          <a:chOff x="0" y="0"/>
+          <a:chExt cx="0" cy="0"/>
+        </a:xfrm>
+      </p:grpSpPr>
+      <p:sp>
+        <p:nvSpPr>
+          <p:cNvPr id="2" name="Segnaposto immagine diapositiva 1"/>
+          <p:cNvSpPr>
+            <a:spLocks noGrp="1" noRot="1" noChangeAspect="1"/>
+          </p:cNvSpPr>
+          <p:nvPr>
+            <p:ph type="sldImg"/>
+          </p:nvPr>
+        </p:nvSpPr>
+        <p:spPr/>
+      </p:sp>
+      <p:sp>
+        <p:nvSpPr>
+          <p:cNvPr id="3" name="Segnaposto note 2"/>
+          <p:cNvSpPr>
+            <a:spLocks noGrp="1"/>
+          </p:cNvSpPr>
+          <p:nvPr>
+            <p:ph type="body" idx="1"/>
+          </p:nvPr>
+        </p:nvSpPr>
+        <p:spPr/>
+        <p:txBody>
+          <a:bodyPr/>
+          <a:lstStyle/>
+          <a:p>
+            <a:endParaRPr lang="it-IT"/>
+          </a:p>
+        </p:txBody>
+      </p:sp>
+      <p:sp>
+        <p:nvSpPr>
+          <p:cNvPr id="4" name="Segnaposto numero diapositiva 3"/>
+          <p:cNvSpPr>
+            <a:spLocks noGrp="1"/>
+          </p:cNvSpPr>
+          <p:nvPr>
+            <p:ph type="sldNum" sz="quarter" idx="5"/>
+          </p:nvPr>
+        </p:nvSpPr>
+        <p:spPr/>
+        <p:txBody>
+          <a:bodyPr/>
+          <a:lstStyle/>
+          <a:p>
+            <a:pPr>
+              <a:defRPr/>
+            </a:pPr>
+            <a:fld id="{F5F5882C-B867-4FE7-97C9-87FBF93DC802}" type="slidenum">
+              <a:rPr lang="en-US" smtClean="0"/>
+              <a:pPr>
+                <a:defRPr/>
+              </a:pPr>
+              <a:t>19</a:t>
+            </a:fld>
+            <a:endParaRPr lang="en-US"/>
+          </a:p>
+        </p:txBody>
+      </p:sp>
+    </p:spTree>
+    <p:extLst>
+      <p:ext uri="{BB962C8B-B14F-4D97-AF65-F5344CB8AC3E}">
+        <p14:creationId xmlns:p14="http://schemas.microsoft.com/office/powerpoint/2010/main" val="1071036799"/>
+      </p:ext>
+    </p:extLst>
+  </p:cSld>
+  <p:clrMapOvr>
+    <a:masterClrMapping/>
+  </p:clrMapOvr>
+</p:notes>
+</file>
+
+<file path=ppt/notesSlides/notesSlide6.xml><?xml version="1.0" encoding="utf-8"?>
+<p:notes xmlns:a="http://schemas.openxmlformats.org/drawingml/2006/main" xmlns:r="http://schemas.openxmlformats.org/officeDocument/2006/relationships" xmlns:p="http://schemas.openxmlformats.org/presentationml/2006/main">
+  <p:cSld>
+    <p:spTree>
+      <p:nvGrpSpPr>
+        <p:cNvPr id="1" name=""/>
+        <p:cNvGrpSpPr/>
+        <p:nvPr/>
+      </p:nvGrpSpPr>
+      <p:grpSpPr>
+        <a:xfrm>
+          <a:off x="0" y="0"/>
+          <a:ext cx="0" cy="0"/>
+          <a:chOff x="0" y="0"/>
+          <a:chExt cx="0" cy="0"/>
+        </a:xfrm>
+      </p:grpSpPr>
+      <p:sp>
+        <p:nvSpPr>
+          <p:cNvPr id="2" name="Segnaposto immagine diapositiva 1"/>
+          <p:cNvSpPr>
+            <a:spLocks noGrp="1" noRot="1" noChangeAspect="1"/>
+          </p:cNvSpPr>
+          <p:nvPr>
+            <p:ph type="sldImg"/>
+          </p:nvPr>
+        </p:nvSpPr>
+        <p:spPr/>
+      </p:sp>
+      <p:sp>
+        <p:nvSpPr>
+          <p:cNvPr id="3" name="Segnaposto note 2"/>
+          <p:cNvSpPr>
+            <a:spLocks noGrp="1"/>
+          </p:cNvSpPr>
+          <p:nvPr>
+            <p:ph type="body" idx="1"/>
+          </p:nvPr>
+        </p:nvSpPr>
+        <p:spPr/>
+        <p:txBody>
+          <a:bodyPr/>
+          <a:lstStyle/>
+          <a:p>
+            <a:endParaRPr lang="it-IT"/>
+          </a:p>
+        </p:txBody>
+      </p:sp>
+      <p:sp>
+        <p:nvSpPr>
+          <p:cNvPr id="4" name="Segnaposto numero diapositiva 3"/>
+          <p:cNvSpPr>
+            <a:spLocks noGrp="1"/>
+          </p:cNvSpPr>
+          <p:nvPr>
+            <p:ph type="sldNum" sz="quarter" idx="5"/>
+          </p:nvPr>
+        </p:nvSpPr>
+        <p:spPr/>
+        <p:txBody>
+          <a:bodyPr/>
+          <a:lstStyle/>
+          <a:p>
+            <a:pPr>
+              <a:defRPr/>
+            </a:pPr>
+            <a:fld id="{F5F5882C-B867-4FE7-97C9-87FBF93DC802}" type="slidenum">
+              <a:rPr lang="en-US" smtClean="0"/>
+              <a:pPr>
+                <a:defRPr/>
+              </a:pPr>
+              <a:t>20</a:t>
+            </a:fld>
+            <a:endParaRPr lang="en-US"/>
+          </a:p>
+        </p:txBody>
+      </p:sp>
+    </p:spTree>
+    <p:extLst>
+      <p:ext uri="{BB962C8B-B14F-4D97-AF65-F5344CB8AC3E}">
+        <p14:creationId xmlns:p14="http://schemas.microsoft.com/office/powerpoint/2010/main" val="3050344956"/>
+      </p:ext>
+    </p:extLst>
+  </p:cSld>
+  <p:clrMapOvr>
+    <a:masterClrMapping/>
+  </p:clrMapOvr>
+</p:notes>
+</file>
+
+<file path=ppt/notesSlides/notesSlide7.xml><?xml version="1.0" encoding="utf-8"?>
+<p:notes xmlns:a="http://schemas.openxmlformats.org/drawingml/2006/main" xmlns:r="http://schemas.openxmlformats.org/officeDocument/2006/relationships" xmlns:p="http://schemas.openxmlformats.org/presentationml/2006/main">
+  <p:cSld>
+    <p:spTree>
+      <p:nvGrpSpPr>
+        <p:cNvPr id="1" name=""/>
+        <p:cNvGrpSpPr/>
+        <p:nvPr/>
+      </p:nvGrpSpPr>
+      <p:grpSpPr>
+        <a:xfrm>
+          <a:off x="0" y="0"/>
+          <a:ext cx="0" cy="0"/>
+          <a:chOff x="0" y="0"/>
+          <a:chExt cx="0" cy="0"/>
+        </a:xfrm>
+      </p:grpSpPr>
+      <p:sp>
+        <p:nvSpPr>
+          <p:cNvPr id="2" name="Segnaposto immagine diapositiva 1"/>
+          <p:cNvSpPr>
+            <a:spLocks noGrp="1" noRot="1" noChangeAspect="1"/>
+          </p:cNvSpPr>
+          <p:nvPr>
+            <p:ph type="sldImg"/>
+          </p:nvPr>
+        </p:nvSpPr>
+        <p:spPr/>
+      </p:sp>
+      <p:sp>
+        <p:nvSpPr>
+          <p:cNvPr id="3" name="Segnaposto note 2"/>
+          <p:cNvSpPr>
+            <a:spLocks noGrp="1"/>
+          </p:cNvSpPr>
+          <p:nvPr>
+            <p:ph type="body" idx="1"/>
+          </p:nvPr>
+        </p:nvSpPr>
+        <p:spPr/>
+        <p:txBody>
+          <a:bodyPr/>
+          <a:lstStyle/>
+          <a:p>
+            <a:endParaRPr lang="it-IT"/>
+          </a:p>
+        </p:txBody>
+      </p:sp>
+      <p:sp>
+        <p:nvSpPr>
+          <p:cNvPr id="4" name="Segnaposto numero diapositiva 3"/>
+          <p:cNvSpPr>
+            <a:spLocks noGrp="1"/>
+          </p:cNvSpPr>
+          <p:nvPr>
+            <p:ph type="sldNum" sz="quarter" idx="5"/>
+          </p:nvPr>
+        </p:nvSpPr>
+        <p:spPr/>
+        <p:txBody>
+          <a:bodyPr/>
+          <a:lstStyle/>
+          <a:p>
+            <a:pPr>
+              <a:defRPr/>
+            </a:pPr>
+            <a:fld id="{F5F5882C-B867-4FE7-97C9-87FBF93DC802}" type="slidenum">
+              <a:rPr lang="en-US" smtClean="0"/>
+              <a:pPr>
+                <a:defRPr/>
+              </a:pPr>
+              <a:t>21</a:t>
+            </a:fld>
+            <a:endParaRPr lang="en-US"/>
+          </a:p>
+        </p:txBody>
+      </p:sp>
+    </p:spTree>
+    <p:extLst>
+      <p:ext uri="{BB962C8B-B14F-4D97-AF65-F5344CB8AC3E}">
+        <p14:creationId xmlns:p14="http://schemas.microsoft.com/office/powerpoint/2010/main" val="1874541162"/>
       </p:ext>
     </p:extLst>
   </p:cSld>
@@ -9272,6 +9545,158 @@
       </p:grpSpPr>
       <p:sp>
         <p:nvSpPr>
+          <p:cNvPr id="2" name="Segnaposto testo 1">
+            <a:extLst>
+              <a:ext uri="{FF2B5EF4-FFF2-40B4-BE49-F238E27FC236}">
+                <a16:creationId xmlns:a16="http://schemas.microsoft.com/office/drawing/2014/main" id="{E5AE986C-196F-4141-A898-FA4C4198CDCC}"/>
+              </a:ext>
+            </a:extLst>
+          </p:cNvPr>
+          <p:cNvSpPr>
+            <a:spLocks noGrp="1"/>
+          </p:cNvSpPr>
+          <p:nvPr>
+            <p:ph type="body" idx="1"/>
+          </p:nvPr>
+        </p:nvSpPr>
+        <p:spPr>
+          <a:xfrm>
+            <a:off x="574293" y="1446404"/>
+            <a:ext cx="11163909" cy="4392612"/>
+          </a:xfrm>
+        </p:spPr>
+        <p:txBody>
+          <a:bodyPr/>
+          <a:lstStyle/>
+          <a:p>
+            <a:pPr marL="342900" indent="-342900">
+              <a:buFont typeface="Wingdings" panose="05000000000000000000" pitchFamily="2" charset="2"/>
+              <a:buChar char="ü"/>
+            </a:pPr>
+            <a:r>
+              <a:rPr lang="it-IT" sz="2400" b="1">
+                <a:solidFill>
+                  <a:schemeClr val="tx1"/>
+                </a:solidFill>
+                <a:latin typeface="Tahoma" panose="020B0604030504040204" pitchFamily="34" charset="0"/>
+                <a:ea typeface="Tahoma" panose="020B0604030504040204" pitchFamily="34" charset="0"/>
+                <a:cs typeface="Tahoma" panose="020B0604030504040204" pitchFamily="34" charset="0"/>
+              </a:rPr>
+              <a:t>Vantaggi: </a:t>
+            </a:r>
+          </a:p>
+          <a:p>
+            <a:pPr marL="342900" indent="-342900" algn="just">
+              <a:buFont typeface="Wingdings" panose="05000000000000000000" pitchFamily="2" charset="2"/>
+              <a:buChar char="ü"/>
+            </a:pPr>
+            <a:r>
+              <a:rPr lang="it-IT" sz="2400" b="1">
+                <a:solidFill>
+                  <a:schemeClr val="tx1"/>
+                </a:solidFill>
+                <a:latin typeface="Tahoma" panose="020B0604030504040204" pitchFamily="34" charset="0"/>
+                <a:ea typeface="Tahoma" panose="020B0604030504040204" pitchFamily="34" charset="0"/>
+                <a:cs typeface="Tahoma" panose="020B0604030504040204" pitchFamily="34" charset="0"/>
+              </a:rPr>
+              <a:t>Una mancata corrispondenza </a:t>
+            </a:r>
+            <a:r>
+              <a:rPr lang="it-IT" sz="2400">
+                <a:solidFill>
+                  <a:schemeClr val="tx1"/>
+                </a:solidFill>
+                <a:latin typeface="Tahoma" panose="020B0604030504040204" pitchFamily="34" charset="0"/>
+                <a:ea typeface="Tahoma" panose="020B0604030504040204" pitchFamily="34" charset="0"/>
+                <a:cs typeface="Tahoma" panose="020B0604030504040204" pitchFamily="34" charset="0"/>
+              </a:rPr>
+              <a:t>in termini di tempo e granularità può verificarsi tra sistemi </a:t>
+            </a:r>
+            <a:r>
+              <a:rPr lang="it-IT" sz="2400" b="1">
+                <a:solidFill>
+                  <a:schemeClr val="tx1"/>
+                </a:solidFill>
+                <a:latin typeface="Tahoma" panose="020B0604030504040204" pitchFamily="34" charset="0"/>
+                <a:ea typeface="Tahoma" panose="020B0604030504040204" pitchFamily="34" charset="0"/>
+                <a:cs typeface="Tahoma" panose="020B0604030504040204" pitchFamily="34" charset="0"/>
+              </a:rPr>
+              <a:t>OLTP</a:t>
+            </a:r>
+            <a:r>
+              <a:rPr lang="it-IT" sz="2400">
+                <a:solidFill>
+                  <a:schemeClr val="tx1"/>
+                </a:solidFill>
+                <a:latin typeface="Tahoma" panose="020B0604030504040204" pitchFamily="34" charset="0"/>
+                <a:ea typeface="Tahoma" panose="020B0604030504040204" pitchFamily="34" charset="0"/>
+                <a:cs typeface="Tahoma" panose="020B0604030504040204" pitchFamily="34" charset="0"/>
+              </a:rPr>
+              <a:t> che gestiscono dati correnti ad un massimo livello di dettaglio, e i sistemi </a:t>
+            </a:r>
+            <a:r>
+              <a:rPr lang="it-IT" sz="2400" b="1">
+                <a:solidFill>
+                  <a:schemeClr val="tx1"/>
+                </a:solidFill>
+                <a:latin typeface="Tahoma" panose="020B0604030504040204" pitchFamily="34" charset="0"/>
+                <a:ea typeface="Tahoma" panose="020B0604030504040204" pitchFamily="34" charset="0"/>
+                <a:cs typeface="Tahoma" panose="020B0604030504040204" pitchFamily="34" charset="0"/>
+              </a:rPr>
+              <a:t>OLAP, </a:t>
+            </a:r>
+            <a:r>
+              <a:rPr lang="it-IT" sz="2400">
+                <a:solidFill>
+                  <a:schemeClr val="tx1"/>
+                </a:solidFill>
+                <a:latin typeface="Tahoma" panose="020B0604030504040204" pitchFamily="34" charset="0"/>
+                <a:ea typeface="Tahoma" panose="020B0604030504040204" pitchFamily="34" charset="0"/>
+                <a:cs typeface="Tahoma" panose="020B0604030504040204" pitchFamily="34" charset="0"/>
+              </a:rPr>
+              <a:t>che gestiscono i dati storici e sintetizzati (aggregati). </a:t>
+            </a:r>
+          </a:p>
+          <a:p>
+            <a:pPr marL="342900" indent="-342900" algn="just">
+              <a:buFont typeface="Wingdings" panose="05000000000000000000" pitchFamily="2" charset="2"/>
+              <a:buChar char="ü"/>
+            </a:pPr>
+            <a:r>
+              <a:rPr lang="it-IT" sz="2400" b="1">
+                <a:solidFill>
+                  <a:schemeClr val="tx1"/>
+                </a:solidFill>
+                <a:latin typeface="Tahoma" panose="020B0604030504040204" pitchFamily="34" charset="0"/>
+                <a:ea typeface="Tahoma" panose="020B0604030504040204" pitchFamily="34" charset="0"/>
+                <a:cs typeface="Tahoma" panose="020B0604030504040204" pitchFamily="34" charset="0"/>
+              </a:rPr>
+              <a:t>I data warehouse possono usare specifiche soluzioni di progetto </a:t>
+            </a:r>
+            <a:r>
+              <a:rPr lang="it-IT" sz="2400">
+                <a:solidFill>
+                  <a:schemeClr val="tx1"/>
+                </a:solidFill>
+                <a:latin typeface="Tahoma" panose="020B0604030504040204" pitchFamily="34" charset="0"/>
+                <a:ea typeface="Tahoma" panose="020B0604030504040204" pitchFamily="34" charset="0"/>
+                <a:cs typeface="Tahoma" panose="020B0604030504040204" pitchFamily="34" charset="0"/>
+              </a:rPr>
+              <a:t>che hanno lo scopo dell'ottimizzazione di performance per l'analisi e le applicazioni di reportistica</a:t>
+            </a:r>
+            <a:endParaRPr lang="it-IT" sz="2400" b="1">
+              <a:solidFill>
+                <a:schemeClr val="tx1"/>
+              </a:solidFill>
+              <a:latin typeface="Tahoma" panose="020B0604030504040204" pitchFamily="34" charset="0"/>
+              <a:ea typeface="Tahoma" panose="020B0604030504040204" pitchFamily="34" charset="0"/>
+              <a:cs typeface="Tahoma" panose="020B0604030504040204" pitchFamily="34" charset="0"/>
+            </a:endParaRPr>
+          </a:p>
+        </p:txBody>
+      </p:sp>
+      <p:sp>
+        <p:nvSpPr>
           <p:cNvPr id="7" name="Segnaposto numero diapositiva 6">
             <a:extLst>
               <a:ext uri="{FF2B5EF4-FFF2-40B4-BE49-F238E27FC236}">
@@ -9333,33 +9758,8 @@
           <a:p>
             <a:r>
               <a:rPr lang="it-IT"/>
-              <a:t>Bibliografia</a:t>
-            </a:r>
-            <a:endParaRPr lang="it-IT" dirty="0"/>
-          </a:p>
-        </p:txBody>
-      </p:sp>
-      <p:sp>
-        <p:nvSpPr>
-          <p:cNvPr id="3" name="Segnaposto testo 2">
-            <a:extLst>
-              <a:ext uri="{FF2B5EF4-FFF2-40B4-BE49-F238E27FC236}">
-                <a16:creationId xmlns:a16="http://schemas.microsoft.com/office/drawing/2014/main" id="{15CD42DB-61E6-AA3D-7125-BF4BEDB5D886}"/>
-              </a:ext>
-            </a:extLst>
-          </p:cNvPr>
-          <p:cNvSpPr>
-            <a:spLocks noGrp="1"/>
-          </p:cNvSpPr>
-          <p:nvPr>
-            <p:ph type="body" idx="1"/>
-          </p:nvPr>
-        </p:nvSpPr>
-        <p:spPr/>
-        <p:txBody>
-          <a:bodyPr/>
-          <a:lstStyle/>
-          <a:p>
+              <a:t>Architettura Two-Layer</a:t>
+            </a:r>
             <a:endParaRPr lang="it-IT" dirty="0"/>
           </a:p>
         </p:txBody>
@@ -9367,7 +9767,7 @@
     </p:spTree>
     <p:extLst>
       <p:ext uri="{BB962C8B-B14F-4D97-AF65-F5344CB8AC3E}">
-        <p14:creationId xmlns:p14="http://schemas.microsoft.com/office/powerpoint/2010/main" val="3490964097"/>
+        <p14:creationId xmlns:p14="http://schemas.microsoft.com/office/powerpoint/2010/main" val="3129117510"/>
       </p:ext>
     </p:extLst>
   </p:cSld>
@@ -9676,6 +10076,571 @@
   </p:cSld>
   <p:clrMapOvr>
     <a:overrideClrMapping bg1="lt1" tx1="dk1" bg2="lt2" tx2="dk2" accent1="accent1" accent2="accent2" accent3="accent3" accent4="accent4" accent5="accent5" accent6="accent6" hlink="hlink" folHlink="folHlink"/>
+  </p:clrMapOvr>
+</p:sld>
+</file>
+
+<file path=ppt/slides/slide20.xml><?xml version="1.0" encoding="utf-8"?>
+<p:sld xmlns:a="http://schemas.openxmlformats.org/drawingml/2006/main" xmlns:r="http://schemas.openxmlformats.org/officeDocument/2006/relationships" xmlns:p="http://schemas.openxmlformats.org/presentationml/2006/main">
+  <p:cSld>
+    <p:spTree>
+      <p:nvGrpSpPr>
+        <p:cNvPr id="1" name=""/>
+        <p:cNvGrpSpPr/>
+        <p:nvPr/>
+      </p:nvGrpSpPr>
+      <p:grpSpPr>
+        <a:xfrm>
+          <a:off x="0" y="0"/>
+          <a:ext cx="0" cy="0"/>
+          <a:chOff x="0" y="0"/>
+          <a:chExt cx="0" cy="0"/>
+        </a:xfrm>
+      </p:grpSpPr>
+      <p:sp>
+        <p:nvSpPr>
+          <p:cNvPr id="2" name="Segnaposto testo 1">
+            <a:extLst>
+              <a:ext uri="{FF2B5EF4-FFF2-40B4-BE49-F238E27FC236}">
+                <a16:creationId xmlns:a16="http://schemas.microsoft.com/office/drawing/2014/main" id="{E5AE986C-196F-4141-A898-FA4C4198CDCC}"/>
+              </a:ext>
+            </a:extLst>
+          </p:cNvPr>
+          <p:cNvSpPr>
+            <a:spLocks noGrp="1"/>
+          </p:cNvSpPr>
+          <p:nvPr>
+            <p:ph type="body" idx="1"/>
+          </p:nvPr>
+        </p:nvSpPr>
+        <p:spPr>
+          <a:xfrm>
+            <a:off x="574294" y="1446404"/>
+            <a:ext cx="3532486" cy="4392612"/>
+          </a:xfrm>
+        </p:spPr>
+        <p:txBody>
+          <a:bodyPr/>
+          <a:lstStyle/>
+          <a:p>
+            <a:pPr marL="342900" indent="-342900">
+              <a:buFont typeface="Wingdings" panose="05000000000000000000" pitchFamily="2" charset="2"/>
+              <a:buChar char="ü"/>
+            </a:pPr>
+            <a:r>
+              <a:rPr lang="it-IT" sz="2400" b="1">
+                <a:solidFill>
+                  <a:schemeClr val="tx1"/>
+                </a:solidFill>
+                <a:latin typeface="Tahoma" panose="020B0604030504040204" pitchFamily="34" charset="0"/>
+                <a:ea typeface="Tahoma" panose="020B0604030504040204" pitchFamily="34" charset="0"/>
+                <a:cs typeface="Tahoma" panose="020B0604030504040204" pitchFamily="34" charset="0"/>
+              </a:rPr>
+              <a:t>Dati Riconciliati: </a:t>
+            </a:r>
+          </a:p>
+          <a:p>
+            <a:pPr marL="342900" indent="-342900" algn="just">
+              <a:buFont typeface="Wingdings" panose="05000000000000000000" pitchFamily="2" charset="2"/>
+              <a:buChar char="ü"/>
+            </a:pPr>
+            <a:r>
+              <a:rPr lang="it-IT" sz="2400" b="1">
+                <a:solidFill>
+                  <a:schemeClr val="tx1"/>
+                </a:solidFill>
+                <a:latin typeface="Tahoma" panose="020B0604030504040204" pitchFamily="34" charset="0"/>
+                <a:ea typeface="Tahoma" panose="020B0604030504040204" pitchFamily="34" charset="0"/>
+                <a:cs typeface="Tahoma" panose="020B0604030504040204" pitchFamily="34" charset="0"/>
+              </a:rPr>
+              <a:t>Questo strato materializza </a:t>
+            </a:r>
+            <a:r>
+              <a:rPr lang="it-IT" sz="2400">
+                <a:solidFill>
+                  <a:schemeClr val="tx1"/>
+                </a:solidFill>
+                <a:latin typeface="Tahoma" panose="020B0604030504040204" pitchFamily="34" charset="0"/>
+                <a:ea typeface="Tahoma" panose="020B0604030504040204" pitchFamily="34" charset="0"/>
+                <a:cs typeface="Tahoma" panose="020B0604030504040204" pitchFamily="34" charset="0"/>
+              </a:rPr>
+              <a:t>i dati operazionali ottenuti dopo l'integrazione e la pulizia dei dati provenienti dalle sorgenti. Come risultato questi dati sono integrati, consistenti, corretti e dettagliati. </a:t>
+            </a:r>
+            <a:endParaRPr lang="it-IT" sz="2400" b="1">
+              <a:solidFill>
+                <a:schemeClr val="tx1"/>
+              </a:solidFill>
+              <a:latin typeface="Tahoma" panose="020B0604030504040204" pitchFamily="34" charset="0"/>
+              <a:ea typeface="Tahoma" panose="020B0604030504040204" pitchFamily="34" charset="0"/>
+              <a:cs typeface="Tahoma" panose="020B0604030504040204" pitchFamily="34" charset="0"/>
+            </a:endParaRPr>
+          </a:p>
+        </p:txBody>
+      </p:sp>
+      <p:sp>
+        <p:nvSpPr>
+          <p:cNvPr id="7" name="Segnaposto numero diapositiva 6">
+            <a:extLst>
+              <a:ext uri="{FF2B5EF4-FFF2-40B4-BE49-F238E27FC236}">
+                <a16:creationId xmlns:a16="http://schemas.microsoft.com/office/drawing/2014/main" id="{AB740BE9-E218-4144-BFDE-AE473D230A3D}"/>
+              </a:ext>
+            </a:extLst>
+          </p:cNvPr>
+          <p:cNvSpPr>
+            <a:spLocks noGrp="1"/>
+          </p:cNvSpPr>
+          <p:nvPr>
+            <p:ph type="sldNum" sz="quarter" idx="12"/>
+          </p:nvPr>
+        </p:nvSpPr>
+        <p:spPr/>
+        <p:txBody>
+          <a:bodyPr/>
+          <a:lstStyle/>
+          <a:p>
+            <a:pPr>
+              <a:defRPr/>
+            </a:pPr>
+            <a:fld id="{48B4153A-D4C5-4CEF-8992-0D8815C829E3}" type="slidenum">
+              <a:rPr lang="en-US" smtClean="0"/>
+              <a:pPr>
+                <a:defRPr/>
+              </a:pPr>
+              <a:t>20</a:t>
+            </a:fld>
+            <a:endParaRPr lang="en-US" dirty="0"/>
+          </a:p>
+        </p:txBody>
+      </p:sp>
+      <p:sp>
+        <p:nvSpPr>
+          <p:cNvPr id="5" name="Titolo 4">
+            <a:extLst>
+              <a:ext uri="{FF2B5EF4-FFF2-40B4-BE49-F238E27FC236}">
+                <a16:creationId xmlns:a16="http://schemas.microsoft.com/office/drawing/2014/main" id="{82C46BA2-B380-4357-B125-BA9F08A643F5}"/>
+              </a:ext>
+            </a:extLst>
+          </p:cNvPr>
+          <p:cNvSpPr>
+            <a:spLocks noGrp="1"/>
+          </p:cNvSpPr>
+          <p:nvPr>
+            <p:ph type="title"/>
+          </p:nvPr>
+        </p:nvSpPr>
+        <p:spPr>
+          <a:xfrm>
+            <a:off x="468895" y="503475"/>
+            <a:ext cx="11269308" cy="384721"/>
+          </a:xfrm>
+        </p:spPr>
+        <p:txBody>
+          <a:bodyPr/>
+          <a:lstStyle/>
+          <a:p>
+            <a:r>
+              <a:rPr lang="it-IT"/>
+              <a:t>Architettura Three-Layer</a:t>
+            </a:r>
+            <a:endParaRPr lang="it-IT" dirty="0"/>
+          </a:p>
+        </p:txBody>
+      </p:sp>
+      <p:pic>
+        <p:nvPicPr>
+          <p:cNvPr id="4" name="Immagine 3">
+            <a:extLst>
+              <a:ext uri="{FF2B5EF4-FFF2-40B4-BE49-F238E27FC236}">
+                <a16:creationId xmlns:a16="http://schemas.microsoft.com/office/drawing/2014/main" id="{2BD5C6D4-22EF-CBE0-3F09-F774B5FA81E6}"/>
+              </a:ext>
+            </a:extLst>
+          </p:cNvPr>
+          <p:cNvPicPr>
+            <a:picLocks noChangeAspect="1"/>
+          </p:cNvPicPr>
+          <p:nvPr/>
+        </p:nvPicPr>
+        <p:blipFill>
+          <a:blip r:embed="rId3"/>
+          <a:stretch>
+            <a:fillRect/>
+          </a:stretch>
+        </p:blipFill>
+        <p:spPr>
+          <a:xfrm>
+            <a:off x="5253163" y="1628966"/>
+            <a:ext cx="5664117" cy="4210050"/>
+          </a:xfrm>
+          <a:prstGeom prst="rect">
+            <a:avLst/>
+          </a:prstGeom>
+        </p:spPr>
+      </p:pic>
+    </p:spTree>
+    <p:extLst>
+      <p:ext uri="{BB962C8B-B14F-4D97-AF65-F5344CB8AC3E}">
+        <p14:creationId xmlns:p14="http://schemas.microsoft.com/office/powerpoint/2010/main" val="3038000545"/>
+      </p:ext>
+    </p:extLst>
+  </p:cSld>
+  <p:clrMapOvr>
+    <a:masterClrMapping/>
+  </p:clrMapOvr>
+</p:sld>
+</file>
+
+<file path=ppt/slides/slide21.xml><?xml version="1.0" encoding="utf-8"?>
+<p:sld xmlns:a="http://schemas.openxmlformats.org/drawingml/2006/main" xmlns:r="http://schemas.openxmlformats.org/officeDocument/2006/relationships" xmlns:p="http://schemas.openxmlformats.org/presentationml/2006/main">
+  <p:cSld>
+    <p:spTree>
+      <p:nvGrpSpPr>
+        <p:cNvPr id="1" name=""/>
+        <p:cNvGrpSpPr/>
+        <p:nvPr/>
+      </p:nvGrpSpPr>
+      <p:grpSpPr>
+        <a:xfrm>
+          <a:off x="0" y="0"/>
+          <a:ext cx="0" cy="0"/>
+          <a:chOff x="0" y="0"/>
+          <a:chExt cx="0" cy="0"/>
+        </a:xfrm>
+      </p:grpSpPr>
+      <p:sp>
+        <p:nvSpPr>
+          <p:cNvPr id="2" name="Segnaposto testo 1">
+            <a:extLst>
+              <a:ext uri="{FF2B5EF4-FFF2-40B4-BE49-F238E27FC236}">
+                <a16:creationId xmlns:a16="http://schemas.microsoft.com/office/drawing/2014/main" id="{E5AE986C-196F-4141-A898-FA4C4198CDCC}"/>
+              </a:ext>
+            </a:extLst>
+          </p:cNvPr>
+          <p:cNvSpPr>
+            <a:spLocks noGrp="1"/>
+          </p:cNvSpPr>
+          <p:nvPr>
+            <p:ph type="body" idx="1"/>
+          </p:nvPr>
+        </p:nvSpPr>
+        <p:spPr>
+          <a:xfrm>
+            <a:off x="1171074" y="1446404"/>
+            <a:ext cx="10042358" cy="4392612"/>
+          </a:xfrm>
+        </p:spPr>
+        <p:txBody>
+          <a:bodyPr/>
+          <a:lstStyle/>
+          <a:p>
+            <a:pPr marL="342900" indent="-342900">
+              <a:buFont typeface="Wingdings" panose="05000000000000000000" pitchFamily="2" charset="2"/>
+              <a:buChar char="ü"/>
+            </a:pPr>
+            <a:r>
+              <a:rPr lang="it-IT" sz="2400" b="1">
+                <a:solidFill>
+                  <a:schemeClr val="tx1"/>
+                </a:solidFill>
+                <a:latin typeface="Tahoma" panose="020B0604030504040204" pitchFamily="34" charset="0"/>
+                <a:ea typeface="Tahoma" panose="020B0604030504040204" pitchFamily="34" charset="0"/>
+                <a:cs typeface="Tahoma" panose="020B0604030504040204" pitchFamily="34" charset="0"/>
+              </a:rPr>
+              <a:t>I principali vantaggi </a:t>
+            </a:r>
+            <a:r>
+              <a:rPr lang="it-IT" sz="2400">
+                <a:solidFill>
+                  <a:schemeClr val="tx1"/>
+                </a:solidFill>
+                <a:latin typeface="Tahoma" panose="020B0604030504040204" pitchFamily="34" charset="0"/>
+                <a:ea typeface="Tahoma" panose="020B0604030504040204" pitchFamily="34" charset="0"/>
+                <a:cs typeface="Tahoma" panose="020B0604030504040204" pitchFamily="34" charset="0"/>
+              </a:rPr>
+              <a:t>di questo layer aggiuntivo per i </a:t>
+            </a:r>
+            <a:r>
+              <a:rPr lang="it-IT" sz="2400" b="1">
+                <a:solidFill>
+                  <a:schemeClr val="tx1"/>
+                </a:solidFill>
+                <a:latin typeface="Tahoma" panose="020B0604030504040204" pitchFamily="34" charset="0"/>
+                <a:ea typeface="Tahoma" panose="020B0604030504040204" pitchFamily="34" charset="0"/>
+                <a:cs typeface="Tahoma" panose="020B0604030504040204" pitchFamily="34" charset="0"/>
+              </a:rPr>
+              <a:t>Dati Riconciliati</a:t>
+            </a:r>
+            <a:r>
+              <a:rPr lang="it-IT" sz="2400">
+                <a:solidFill>
+                  <a:schemeClr val="tx1"/>
+                </a:solidFill>
+                <a:latin typeface="Tahoma" panose="020B0604030504040204" pitchFamily="34" charset="0"/>
+                <a:ea typeface="Tahoma" panose="020B0604030504040204" pitchFamily="34" charset="0"/>
+                <a:cs typeface="Tahoma" panose="020B0604030504040204" pitchFamily="34" charset="0"/>
+              </a:rPr>
+              <a:t> sono quelli di creare un dato di riferimento comune per l'intera organizzazione </a:t>
+            </a:r>
+          </a:p>
+          <a:p>
+            <a:pPr marL="342900" indent="-342900">
+              <a:buFont typeface="Wingdings" panose="05000000000000000000" pitchFamily="2" charset="2"/>
+              <a:buChar char="ü"/>
+            </a:pPr>
+            <a:r>
+              <a:rPr lang="it-IT" sz="2400">
+                <a:solidFill>
+                  <a:schemeClr val="tx1"/>
+                </a:solidFill>
+                <a:latin typeface="Tahoma" panose="020B0604030504040204" pitchFamily="34" charset="0"/>
+                <a:ea typeface="Tahoma" panose="020B0604030504040204" pitchFamily="34" charset="0"/>
+                <a:cs typeface="Tahoma" panose="020B0604030504040204" pitchFamily="34" charset="0"/>
+              </a:rPr>
+              <a:t>Allo stesso tempo, questo layer nettamente separa i problemi dell'estrazione dati dalle sorgenti e l'integrazione da quelle della popolazione di data warehouse. </a:t>
+            </a:r>
+          </a:p>
+          <a:p>
+            <a:pPr marL="342900" indent="-342900">
+              <a:buFont typeface="Wingdings" panose="05000000000000000000" pitchFamily="2" charset="2"/>
+              <a:buChar char="ü"/>
+            </a:pPr>
+            <a:r>
+              <a:rPr lang="it-IT" sz="2400">
+                <a:solidFill>
+                  <a:schemeClr val="tx1"/>
+                </a:solidFill>
+                <a:latin typeface="Tahoma" panose="020B0604030504040204" pitchFamily="34" charset="0"/>
+                <a:ea typeface="Tahoma" panose="020B0604030504040204" pitchFamily="34" charset="0"/>
+                <a:cs typeface="Tahoma" panose="020B0604030504040204" pitchFamily="34" charset="0"/>
+              </a:rPr>
+              <a:t>Tuttavia, i dati riconciliati portano ad avere </a:t>
+            </a:r>
+            <a:r>
+              <a:rPr lang="it-IT" sz="2400" b="1">
+                <a:solidFill>
+                  <a:schemeClr val="tx1"/>
+                </a:solidFill>
+                <a:latin typeface="Tahoma" panose="020B0604030504040204" pitchFamily="34" charset="0"/>
+                <a:ea typeface="Tahoma" panose="020B0604030504040204" pitchFamily="34" charset="0"/>
+                <a:cs typeface="Tahoma" panose="020B0604030504040204" pitchFamily="34" charset="0"/>
+              </a:rPr>
+              <a:t>più ridondanza</a:t>
+            </a:r>
+            <a:r>
+              <a:rPr lang="it-IT" sz="2400">
+                <a:solidFill>
+                  <a:schemeClr val="tx1"/>
+                </a:solidFill>
+                <a:latin typeface="Tahoma" panose="020B0604030504040204" pitchFamily="34" charset="0"/>
+                <a:ea typeface="Tahoma" panose="020B0604030504040204" pitchFamily="34" charset="0"/>
+                <a:cs typeface="Tahoma" panose="020B0604030504040204" pitchFamily="34" charset="0"/>
+              </a:rPr>
+              <a:t> delle sorgenti dati operazionali. </a:t>
+            </a:r>
+          </a:p>
+        </p:txBody>
+      </p:sp>
+      <p:sp>
+        <p:nvSpPr>
+          <p:cNvPr id="7" name="Segnaposto numero diapositiva 6">
+            <a:extLst>
+              <a:ext uri="{FF2B5EF4-FFF2-40B4-BE49-F238E27FC236}">
+                <a16:creationId xmlns:a16="http://schemas.microsoft.com/office/drawing/2014/main" id="{AB740BE9-E218-4144-BFDE-AE473D230A3D}"/>
+              </a:ext>
+            </a:extLst>
+          </p:cNvPr>
+          <p:cNvSpPr>
+            <a:spLocks noGrp="1"/>
+          </p:cNvSpPr>
+          <p:nvPr>
+            <p:ph type="sldNum" sz="quarter" idx="12"/>
+          </p:nvPr>
+        </p:nvSpPr>
+        <p:spPr/>
+        <p:txBody>
+          <a:bodyPr/>
+          <a:lstStyle/>
+          <a:p>
+            <a:pPr>
+              <a:defRPr/>
+            </a:pPr>
+            <a:fld id="{48B4153A-D4C5-4CEF-8992-0D8815C829E3}" type="slidenum">
+              <a:rPr lang="en-US" smtClean="0"/>
+              <a:pPr>
+                <a:defRPr/>
+              </a:pPr>
+              <a:t>21</a:t>
+            </a:fld>
+            <a:endParaRPr lang="en-US" dirty="0"/>
+          </a:p>
+        </p:txBody>
+      </p:sp>
+      <p:sp>
+        <p:nvSpPr>
+          <p:cNvPr id="5" name="Titolo 4">
+            <a:extLst>
+              <a:ext uri="{FF2B5EF4-FFF2-40B4-BE49-F238E27FC236}">
+                <a16:creationId xmlns:a16="http://schemas.microsoft.com/office/drawing/2014/main" id="{82C46BA2-B380-4357-B125-BA9F08A643F5}"/>
+              </a:ext>
+            </a:extLst>
+          </p:cNvPr>
+          <p:cNvSpPr>
+            <a:spLocks noGrp="1"/>
+          </p:cNvSpPr>
+          <p:nvPr>
+            <p:ph type="title"/>
+          </p:nvPr>
+        </p:nvSpPr>
+        <p:spPr>
+          <a:xfrm>
+            <a:off x="468895" y="503475"/>
+            <a:ext cx="11269308" cy="384721"/>
+          </a:xfrm>
+        </p:spPr>
+        <p:txBody>
+          <a:bodyPr/>
+          <a:lstStyle/>
+          <a:p>
+            <a:r>
+              <a:rPr lang="it-IT"/>
+              <a:t>Architettura Three-Layer</a:t>
+            </a:r>
+            <a:endParaRPr lang="it-IT" dirty="0"/>
+          </a:p>
+        </p:txBody>
+      </p:sp>
+    </p:spTree>
+    <p:extLst>
+      <p:ext uri="{BB962C8B-B14F-4D97-AF65-F5344CB8AC3E}">
+        <p14:creationId xmlns:p14="http://schemas.microsoft.com/office/powerpoint/2010/main" val="1370192947"/>
+      </p:ext>
+    </p:extLst>
+  </p:cSld>
+  <p:clrMapOvr>
+    <a:masterClrMapping/>
+  </p:clrMapOvr>
+</p:sld>
+</file>
+
+<file path=ppt/slides/slide22.xml><?xml version="1.0" encoding="utf-8"?>
+<p:sld xmlns:a="http://schemas.openxmlformats.org/drawingml/2006/main" xmlns:r="http://schemas.openxmlformats.org/officeDocument/2006/relationships" xmlns:p="http://schemas.openxmlformats.org/presentationml/2006/main">
+  <p:cSld>
+    <p:spTree>
+      <p:nvGrpSpPr>
+        <p:cNvPr id="1" name=""/>
+        <p:cNvGrpSpPr/>
+        <p:nvPr/>
+      </p:nvGrpSpPr>
+      <p:grpSpPr>
+        <a:xfrm>
+          <a:off x="0" y="0"/>
+          <a:ext cx="0" cy="0"/>
+          <a:chOff x="0" y="0"/>
+          <a:chExt cx="0" cy="0"/>
+        </a:xfrm>
+      </p:grpSpPr>
+      <p:sp>
+        <p:nvSpPr>
+          <p:cNvPr id="7" name="Segnaposto numero diapositiva 6">
+            <a:extLst>
+              <a:ext uri="{FF2B5EF4-FFF2-40B4-BE49-F238E27FC236}">
+                <a16:creationId xmlns:a16="http://schemas.microsoft.com/office/drawing/2014/main" id="{AB740BE9-E218-4144-BFDE-AE473D230A3D}"/>
+              </a:ext>
+            </a:extLst>
+          </p:cNvPr>
+          <p:cNvSpPr>
+            <a:spLocks noGrp="1"/>
+          </p:cNvSpPr>
+          <p:nvPr>
+            <p:ph type="sldNum" sz="quarter" idx="12"/>
+          </p:nvPr>
+        </p:nvSpPr>
+        <p:spPr/>
+        <p:txBody>
+          <a:bodyPr/>
+          <a:lstStyle/>
+          <a:p>
+            <a:pPr>
+              <a:defRPr/>
+            </a:pPr>
+            <a:fld id="{48B4153A-D4C5-4CEF-8992-0D8815C829E3}" type="slidenum">
+              <a:rPr lang="en-US" smtClean="0"/>
+              <a:pPr>
+                <a:defRPr/>
+              </a:pPr>
+              <a:t>22</a:t>
+            </a:fld>
+            <a:endParaRPr lang="en-US" dirty="0"/>
+          </a:p>
+        </p:txBody>
+      </p:sp>
+      <p:sp>
+        <p:nvSpPr>
+          <p:cNvPr id="5" name="Titolo 4">
+            <a:extLst>
+              <a:ext uri="{FF2B5EF4-FFF2-40B4-BE49-F238E27FC236}">
+                <a16:creationId xmlns:a16="http://schemas.microsoft.com/office/drawing/2014/main" id="{82C46BA2-B380-4357-B125-BA9F08A643F5}"/>
+              </a:ext>
+            </a:extLst>
+          </p:cNvPr>
+          <p:cNvSpPr>
+            <a:spLocks noGrp="1"/>
+          </p:cNvSpPr>
+          <p:nvPr>
+            <p:ph type="title"/>
+          </p:nvPr>
+        </p:nvSpPr>
+        <p:spPr>
+          <a:xfrm>
+            <a:off x="468895" y="503475"/>
+            <a:ext cx="11269308" cy="384721"/>
+          </a:xfrm>
+        </p:spPr>
+        <p:txBody>
+          <a:bodyPr/>
+          <a:lstStyle/>
+          <a:p>
+            <a:r>
+              <a:rPr lang="it-IT"/>
+              <a:t>Bibliografia</a:t>
+            </a:r>
+            <a:endParaRPr lang="it-IT" dirty="0"/>
+          </a:p>
+        </p:txBody>
+      </p:sp>
+      <p:sp>
+        <p:nvSpPr>
+          <p:cNvPr id="3" name="Segnaposto testo 2">
+            <a:extLst>
+              <a:ext uri="{FF2B5EF4-FFF2-40B4-BE49-F238E27FC236}">
+                <a16:creationId xmlns:a16="http://schemas.microsoft.com/office/drawing/2014/main" id="{15CD42DB-61E6-AA3D-7125-BF4BEDB5D886}"/>
+              </a:ext>
+            </a:extLst>
+          </p:cNvPr>
+          <p:cNvSpPr>
+            <a:spLocks noGrp="1"/>
+          </p:cNvSpPr>
+          <p:nvPr>
+            <p:ph type="body" idx="1"/>
+          </p:nvPr>
+        </p:nvSpPr>
+        <p:spPr/>
+        <p:txBody>
+          <a:bodyPr/>
+          <a:lstStyle/>
+          <a:p>
+            <a:endParaRPr lang="it-IT" dirty="0"/>
+          </a:p>
+        </p:txBody>
+      </p:sp>
+    </p:spTree>
+    <p:extLst>
+      <p:ext uri="{BB962C8B-B14F-4D97-AF65-F5344CB8AC3E}">
+        <p14:creationId xmlns:p14="http://schemas.microsoft.com/office/powerpoint/2010/main" val="3490964097"/>
+      </p:ext>
+    </p:extLst>
+  </p:cSld>
+  <p:clrMapOvr>
+    <a:masterClrMapping/>
   </p:clrMapOvr>
 </p:sld>
 </file>
@@ -12063,6 +13028,15 @@
 
 <file path=customXml/item1.xml><?xml version="1.0" encoding="utf-8"?>
 <?mso-contentType ?>
+<FormTemplates xmlns="http://schemas.microsoft.com/sharepoint/v3/contenttype/forms">
+  <Display>DocumentLibraryForm</Display>
+  <Edit>DocumentLibraryForm</Edit>
+  <New>DocumentLibraryForm</New>
+</FormTemplates>
+</file>
+
+<file path=customXml/item2.xml><?xml version="1.0" encoding="utf-8"?>
+<?mso-contentType ?>
 <spe:Receivers xmlns:spe="http://schemas.microsoft.com/sharepoint/events">
   <Receiver>
     <Name>Document ID Generator</Name>
@@ -12111,30 +13085,7 @@
 </spe:Receivers>
 </file>
 
-<file path=customXml/item2.xml><?xml version="1.0" encoding="utf-8"?>
-<?mso-contentType ?>
-<FormTemplates xmlns="http://schemas.microsoft.com/sharepoint/v3/contenttype/forms">
-  <Display>DocumentLibraryForm</Display>
-  <Edit>DocumentLibraryForm</Edit>
-  <New>DocumentLibraryForm</New>
-</FormTemplates>
-</file>
-
 <file path=customXml/item3.xml><?xml version="1.0" encoding="utf-8"?>
-<p:properties xmlns:p="http://schemas.microsoft.com/office/2006/metadata/properties" xmlns:xsi="http://www.w3.org/2001/XMLSchema-instance" xmlns:pc="http://schemas.microsoft.com/office/infopath/2007/PartnerControls">
-  <documentManagement>
-    <SottoCategoria xmlns="679261c3-551f-4e86-913f-177e0e529669">-</SottoCategoria>
-    <Categoria xmlns="c58f2efd-82a8-4ecf-b395-8c25e928921d">Power Point</Categoria>
-    <_dlc_DocId xmlns="459159c4-d20a-4ff3-9b11-fbd127bd52e5">INTRANET-14-158</_dlc_DocId>
-    <_dlc_DocIdUrl xmlns="459159c4-d20a-4ff3-9b11-fbd127bd52e5">
-      <Url>https://intranet.istat.it/Collaborativi/_layouts/15/DocIdRedir.aspx?ID=INTRANET-14-158</Url>
-      <Description>INTRANET-14-158</Description>
-    </_dlc_DocIdUrl>
-  </documentManagement>
-</p:properties>
-</file>
-
-<file path=customXml/item4.xml><?xml version="1.0" encoding="utf-8"?>
 <ct:contentTypeSchema xmlns:ct="http://schemas.microsoft.com/office/2006/metadata/contentType" xmlns:ma="http://schemas.microsoft.com/office/2006/metadata/properties/metaAttributes" ct:_="" ma:_="" ma:contentTypeName="Documento" ma:contentTypeID="0x010100661A2BE3120D674DA36C11D6006822D4" ma:contentTypeVersion="3" ma:contentTypeDescription="Creare un nuovo documento." ma:contentTypeScope="" ma:versionID="2ad8b07f9840a1ce9cd199d874146b74">
   <xsd:schema xmlns:xsd="http://www.w3.org/2001/XMLSchema" xmlns:xs="http://www.w3.org/2001/XMLSchema" xmlns:p="http://schemas.microsoft.com/office/2006/metadata/properties" xmlns:ns2="c58f2efd-82a8-4ecf-b395-8c25e928921d" xmlns:ns3="459159c4-d20a-4ff3-9b11-fbd127bd52e5" xmlns:ns4="679261c3-551f-4e86-913f-177e0e529669" targetNamespace="http://schemas.microsoft.com/office/2006/metadata/properties" ma:root="true" ma:fieldsID="fffb0e16fb90ffea59fef1085e90ecca" ns2:_="" ns3:_="" ns4:_="">
     <xsd:import namespace="c58f2efd-82a8-4ecf-b395-8c25e928921d"/>
@@ -12321,7 +13272,29 @@
 </ct:contentTypeSchema>
 </file>
 
+<file path=customXml/item4.xml><?xml version="1.0" encoding="utf-8"?>
+<p:properties xmlns:p="http://schemas.microsoft.com/office/2006/metadata/properties" xmlns:xsi="http://www.w3.org/2001/XMLSchema-instance" xmlns:pc="http://schemas.microsoft.com/office/infopath/2007/PartnerControls">
+  <documentManagement>
+    <SottoCategoria xmlns="679261c3-551f-4e86-913f-177e0e529669">-</SottoCategoria>
+    <Categoria xmlns="c58f2efd-82a8-4ecf-b395-8c25e928921d">Power Point</Categoria>
+    <_dlc_DocId xmlns="459159c4-d20a-4ff3-9b11-fbd127bd52e5">INTRANET-14-158</_dlc_DocId>
+    <_dlc_DocIdUrl xmlns="459159c4-d20a-4ff3-9b11-fbd127bd52e5">
+      <Url>https://intranet.istat.it/Collaborativi/_layouts/15/DocIdRedir.aspx?ID=INTRANET-14-158</Url>
+      <Description>INTRANET-14-158</Description>
+    </_dlc_DocIdUrl>
+  </documentManagement>
+</p:properties>
+</file>
+
 <file path=customXml/itemProps1.xml><?xml version="1.0" encoding="utf-8"?>
+<ds:datastoreItem xmlns:ds="http://schemas.openxmlformats.org/officeDocument/2006/customXml" ds:itemID="{BD9C238D-4D5C-4783-820B-4854DCE45D41}">
+  <ds:schemaRefs>
+    <ds:schemaRef ds:uri="http://schemas.microsoft.com/sharepoint/v3/contenttype/forms"/>
+  </ds:schemaRefs>
+</ds:datastoreItem>
+</file>
+
+<file path=customXml/itemProps2.xml><?xml version="1.0" encoding="utf-8"?>
 <ds:datastoreItem xmlns:ds="http://schemas.openxmlformats.org/officeDocument/2006/customXml" ds:itemID="{D9296C4F-9DE9-4B43-AA80-1FC85656CFFA}">
   <ds:schemaRefs>
     <ds:schemaRef ds:uri="http://schemas.microsoft.com/sharepoint/events"/>
@@ -12329,33 +13302,7 @@
 </ds:datastoreItem>
 </file>
 
-<file path=customXml/itemProps2.xml><?xml version="1.0" encoding="utf-8"?>
-<ds:datastoreItem xmlns:ds="http://schemas.openxmlformats.org/officeDocument/2006/customXml" ds:itemID="{BD9C238D-4D5C-4783-820B-4854DCE45D41}">
-  <ds:schemaRefs>
-    <ds:schemaRef ds:uri="http://schemas.microsoft.com/sharepoint/v3/contenttype/forms"/>
-  </ds:schemaRefs>
-</ds:datastoreItem>
-</file>
-
 <file path=customXml/itemProps3.xml><?xml version="1.0" encoding="utf-8"?>
-<ds:datastoreItem xmlns:ds="http://schemas.openxmlformats.org/officeDocument/2006/customXml" ds:itemID="{3EF378BC-F4D0-4510-B4EC-07B6EFE18CF8}">
-  <ds:schemaRefs>
-    <ds:schemaRef ds:uri="http://purl.org/dc/terms/"/>
-    <ds:schemaRef ds:uri="http://schemas.microsoft.com/office/2006/metadata/properties"/>
-    <ds:schemaRef ds:uri="http://schemas.microsoft.com/office/2006/documentManagement/types"/>
-    <ds:schemaRef ds:uri="http://purl.org/dc/elements/1.1/"/>
-    <ds:schemaRef ds:uri="http://schemas.openxmlformats.org/package/2006/metadata/core-properties"/>
-    <ds:schemaRef ds:uri="459159c4-d20a-4ff3-9b11-fbd127bd52e5"/>
-    <ds:schemaRef ds:uri="c58f2efd-82a8-4ecf-b395-8c25e928921d"/>
-    <ds:schemaRef ds:uri="http://schemas.microsoft.com/office/infopath/2007/PartnerControls"/>
-    <ds:schemaRef ds:uri="679261c3-551f-4e86-913f-177e0e529669"/>
-    <ds:schemaRef ds:uri="http://www.w3.org/XML/1998/namespace"/>
-    <ds:schemaRef ds:uri="http://purl.org/dc/dcmitype/"/>
-  </ds:schemaRefs>
-</ds:datastoreItem>
-</file>
-
-<file path=customXml/itemProps4.xml><?xml version="1.0" encoding="utf-8"?>
 <ds:datastoreItem xmlns:ds="http://schemas.openxmlformats.org/officeDocument/2006/customXml" ds:itemID="{3F66F418-6054-4EA5-BF8E-6AF3CEAE6265}">
   <ds:schemaRefs>
     <ds:schemaRef ds:uri="http://schemas.microsoft.com/office/2006/metadata/contentType"/>
@@ -12373,4 +13320,22 @@
     <ds:schemaRef ds:uri="http://schemas.microsoft.com/internal/obd"/>
   </ds:schemaRefs>
 </ds:datastoreItem>
+</file>
+
+<file path=customXml/itemProps4.xml><?xml version="1.0" encoding="utf-8"?>
+<ds:datastoreItem xmlns:ds="http://schemas.openxmlformats.org/officeDocument/2006/customXml" ds:itemID="{3EF378BC-F4D0-4510-B4EC-07B6EFE18CF8}">
+  <ds:schemaRefs>
+    <ds:schemaRef ds:uri="http://purl.org/dc/terms/"/>
+    <ds:schemaRef ds:uri="http://schemas.microsoft.com/office/2006/metadata/properties"/>
+    <ds:schemaRef ds:uri="http://schemas.microsoft.com/office/2006/documentManagement/types"/>
+    <ds:schemaRef ds:uri="http://purl.org/dc/elements/1.1/"/>
+    <ds:schemaRef ds:uri="http://schemas.openxmlformats.org/package/2006/metadata/core-properties"/>
+    <ds:schemaRef ds:uri="459159c4-d20a-4ff3-9b11-fbd127bd52e5"/>
+    <ds:schemaRef ds:uri="c58f2efd-82a8-4ecf-b395-8c25e928921d"/>
+    <ds:schemaRef ds:uri="http://schemas.microsoft.com/office/infopath/2007/PartnerControls"/>
+    <ds:schemaRef ds:uri="679261c3-551f-4e86-913f-177e0e529669"/>
+    <ds:schemaRef ds:uri="http://www.w3.org/XML/1998/namespace"/>
+    <ds:schemaRef ds:uri="http://purl.org/dc/dcmitype/"/>
+  </ds:schemaRefs>
+</ds:datastoreItem>
 </file>